--- a/presentation/agencias-distancias.pptx
+++ b/presentation/agencias-distancias.pptx
@@ -3492,7 +3492,7 @@
           <a:lstStyle/>
           <a:p>
             <a:r>
-              <a:rPr lang="pt-BR" sz="2000" b="1" dirty="0" err="1" smtClean="0">
+              <a:rPr lang="pt-BR" sz="2000" dirty="0" err="1" smtClean="0">
                 <a:solidFill>
                   <a:schemeClr val="tx1">
                     <a:lumMod val="85000"/>
@@ -3505,7 +3505,7 @@
               <a:t>Nearest</a:t>
             </a:r>
             <a:r>
-              <a:rPr lang="pt-BR" sz="2000" b="1" dirty="0" smtClean="0">
+              <a:rPr lang="pt-BR" sz="2000" dirty="0" smtClean="0">
                 <a:solidFill>
                   <a:schemeClr val="tx1">
                     <a:lumMod val="85000"/>
@@ -3518,7 +3518,7 @@
               <a:t> </a:t>
             </a:r>
             <a:r>
-              <a:rPr lang="pt-BR" sz="2000" b="1" dirty="0" err="1" smtClean="0">
+              <a:rPr lang="pt-BR" sz="2000" dirty="0" err="1" smtClean="0">
                 <a:solidFill>
                   <a:schemeClr val="tx1">
                     <a:lumMod val="85000"/>
@@ -3531,7 +3531,7 @@
               <a:t>Neighbour</a:t>
             </a:r>
             <a:r>
-              <a:rPr lang="pt-BR" sz="2000" b="1" dirty="0" smtClean="0">
+              <a:rPr lang="pt-BR" sz="2000" dirty="0" smtClean="0">
                 <a:solidFill>
                   <a:schemeClr val="tx1">
                     <a:lumMod val="85000"/>
@@ -3544,7 +3544,7 @@
               <a:t> </a:t>
             </a:r>
             <a:r>
-              <a:rPr lang="pt-BR" sz="2000" b="1" dirty="0" err="1" smtClean="0">
+              <a:rPr lang="pt-BR" sz="2000" dirty="0" err="1" smtClean="0">
                 <a:solidFill>
                   <a:schemeClr val="tx1">
                     <a:lumMod val="85000"/>
@@ -3556,7 +3556,7 @@
               </a:rPr>
               <a:t>Analysis</a:t>
             </a:r>
-            <a:endParaRPr lang="pt-BR" sz="2000" b="1" dirty="0">
+            <a:endParaRPr lang="pt-BR" sz="2000" dirty="0">
               <a:solidFill>
                 <a:schemeClr val="tx1">
                   <a:lumMod val="85000"/>
@@ -3676,32 +3676,6 @@
           </a:p>
         </p:txBody>
       </p:sp>
-      <p:pic>
-        <p:nvPicPr>
-          <p:cNvPr id="2" name="Picture 4" descr="C:\Users\Ricardo\Documents\R-Projetos\Exploratory-Data-Analysis-Bancarization\img\agencias_distancias.png"/>
-          <p:cNvPicPr>
-            <a:picLocks noChangeAspect="1" noChangeArrowheads="1"/>
-          </p:cNvPicPr>
-          <p:nvPr/>
-        </p:nvPicPr>
-        <p:blipFill>
-          <a:blip r:embed="rId2" cstate="print"/>
-          <a:srcRect l="3697" t="3637" r="3704" b="4217"/>
-          <a:stretch>
-            <a:fillRect/>
-          </a:stretch>
-        </p:blipFill>
-        <p:spPr bwMode="auto">
-          <a:xfrm>
-            <a:off x="143742" y="1368202"/>
-            <a:ext cx="3695147" cy="5616624"/>
-          </a:xfrm>
-          <a:prstGeom prst="rect">
-            <a:avLst/>
-          </a:prstGeom>
-          <a:noFill/>
-        </p:spPr>
-      </p:pic>
       <p:grpSp>
         <p:nvGrpSpPr>
           <p:cNvPr id="38" name="Grupo 37"/>
@@ -3725,7 +3699,7 @@
             <p:nvPr/>
           </p:nvPicPr>
           <p:blipFill>
-            <a:blip r:embed="rId3" cstate="print"/>
+            <a:blip r:embed="rId2" cstate="print"/>
             <a:srcRect/>
             <a:stretch>
               <a:fillRect/>
@@ -3814,27 +3788,27 @@
           <a:p>
             <a:pPr algn="ctr"/>
             <a:r>
-              <a:rPr lang="pt-BR" sz="900" b="1" dirty="0" smtClean="0">
+              <a:rPr lang="pt-BR" sz="900" dirty="0" smtClean="0">
                 <a:solidFill>
                   <a:schemeClr val="tx1">
                     <a:lumMod val="85000"/>
                     <a:lumOff val="15000"/>
                   </a:schemeClr>
                 </a:solidFill>
-                <a:latin typeface="Roboto Black" pitchFamily="2" charset="0"/>
-                <a:ea typeface="Roboto Black" pitchFamily="2" charset="0"/>
+                <a:latin typeface="Roboto" pitchFamily="2" charset="0"/>
+                <a:ea typeface="Roboto" pitchFamily="2" charset="0"/>
               </a:rPr>
               <a:t>Menor Distância</a:t>
             </a:r>
-            <a:endParaRPr lang="pt-BR" sz="900" b="1" dirty="0">
+            <a:endParaRPr lang="pt-BR" sz="900" dirty="0">
               <a:solidFill>
                 <a:schemeClr val="tx1">
                   <a:lumMod val="85000"/>
                   <a:lumOff val="15000"/>
                 </a:schemeClr>
               </a:solidFill>
-              <a:latin typeface="Roboto Black" pitchFamily="2" charset="0"/>
-              <a:ea typeface="Roboto Black" pitchFamily="2" charset="0"/>
+              <a:latin typeface="Roboto" pitchFamily="2" charset="0"/>
+              <a:ea typeface="Roboto" pitchFamily="2" charset="0"/>
             </a:endParaRPr>
           </a:p>
         </p:txBody>
@@ -3848,7 +3822,7 @@
           <p:nvPr/>
         </p:nvPicPr>
         <p:blipFill>
-          <a:blip r:embed="rId4" cstate="print"/>
+          <a:blip r:embed="rId3" cstate="print"/>
           <a:srcRect/>
           <a:stretch>
             <a:fillRect/>
@@ -3895,27 +3869,27 @@
           <a:p>
             <a:pPr algn="ctr"/>
             <a:r>
-              <a:rPr lang="pt-BR" sz="900" b="1" dirty="0" smtClean="0">
+              <a:rPr lang="pt-BR" sz="900" dirty="0" smtClean="0">
                 <a:solidFill>
                   <a:schemeClr val="tx1">
                     <a:lumMod val="85000"/>
                     <a:lumOff val="15000"/>
                   </a:schemeClr>
                 </a:solidFill>
-                <a:latin typeface="Roboto Black" pitchFamily="2" charset="0"/>
-                <a:ea typeface="Roboto Black" pitchFamily="2" charset="0"/>
+                <a:latin typeface="Roboto" pitchFamily="2" charset="0"/>
+                <a:ea typeface="Roboto" pitchFamily="2" charset="0"/>
               </a:rPr>
               <a:t>Maior Distância</a:t>
             </a:r>
-            <a:endParaRPr lang="pt-BR" sz="900" b="1" dirty="0">
+            <a:endParaRPr lang="pt-BR" sz="900" dirty="0">
               <a:solidFill>
                 <a:schemeClr val="tx1">
                   <a:lumMod val="85000"/>
                   <a:lumOff val="15000"/>
                 </a:schemeClr>
               </a:solidFill>
-              <a:latin typeface="Roboto Black" pitchFamily="2" charset="0"/>
-              <a:ea typeface="Roboto Black" pitchFamily="2" charset="0"/>
+              <a:latin typeface="Roboto" pitchFamily="2" charset="0"/>
+              <a:ea typeface="Roboto" pitchFamily="2" charset="0"/>
             </a:endParaRPr>
           </a:p>
         </p:txBody>
@@ -3943,27 +3917,27 @@
           <a:p>
             <a:pPr algn="ctr"/>
             <a:r>
-              <a:rPr lang="pt-BR" sz="900" b="1" dirty="0" smtClean="0">
+              <a:rPr lang="pt-BR" sz="900" dirty="0" smtClean="0">
                 <a:solidFill>
                   <a:schemeClr val="tx1">
                     <a:lumMod val="85000"/>
                     <a:lumOff val="15000"/>
                   </a:schemeClr>
                 </a:solidFill>
-                <a:latin typeface="Roboto Black" pitchFamily="2" charset="0"/>
-                <a:ea typeface="Roboto Black" pitchFamily="2" charset="0"/>
+                <a:latin typeface="Roboto" pitchFamily="2" charset="0"/>
+                <a:ea typeface="Roboto" pitchFamily="2" charset="0"/>
               </a:rPr>
               <a:t>Distância Média</a:t>
             </a:r>
-            <a:endParaRPr lang="pt-BR" sz="900" b="1" dirty="0">
+            <a:endParaRPr lang="pt-BR" sz="900" dirty="0">
               <a:solidFill>
                 <a:schemeClr val="tx1">
                   <a:lumMod val="85000"/>
                   <a:lumOff val="15000"/>
                 </a:schemeClr>
               </a:solidFill>
-              <a:latin typeface="Roboto Black" pitchFamily="2" charset="0"/>
-              <a:ea typeface="Roboto Black" pitchFamily="2" charset="0"/>
+              <a:latin typeface="Roboto" pitchFamily="2" charset="0"/>
+              <a:ea typeface="Roboto" pitchFamily="2" charset="0"/>
             </a:endParaRPr>
           </a:p>
         </p:txBody>
@@ -3991,6 +3965,19 @@
           <a:p>
             <a:pPr algn="ctr"/>
             <a:r>
+              <a:rPr lang="pt-BR" sz="900" dirty="0" smtClean="0">
+                <a:solidFill>
+                  <a:schemeClr val="tx1">
+                    <a:lumMod val="85000"/>
+                    <a:lumOff val="15000"/>
+                  </a:schemeClr>
+                </a:solidFill>
+                <a:latin typeface="Roboto" pitchFamily="2" charset="0"/>
+                <a:ea typeface="Roboto" pitchFamily="2" charset="0"/>
+              </a:rPr>
+              <a:t>Desvio</a:t>
+            </a:r>
+            <a:r>
               <a:rPr lang="pt-BR" sz="900" b="1" dirty="0" smtClean="0">
                 <a:solidFill>
                   <a:schemeClr val="tx1">
@@ -3998,20 +3985,33 @@
                     <a:lumOff val="15000"/>
                   </a:schemeClr>
                 </a:solidFill>
-                <a:latin typeface="Roboto Black" pitchFamily="2" charset="0"/>
-                <a:ea typeface="Roboto Black" pitchFamily="2" charset="0"/>
+                <a:latin typeface="Roboto" pitchFamily="2" charset="0"/>
+                <a:ea typeface="Roboto" pitchFamily="2" charset="0"/>
               </a:rPr>
-              <a:t>Desvio Padrão</a:t>
-            </a:r>
-            <a:endParaRPr lang="pt-BR" sz="900" b="1" dirty="0">
+              <a:t> </a:t>
+            </a:r>
+            <a:r>
+              <a:rPr lang="pt-BR" sz="900" dirty="0" smtClean="0">
+                <a:solidFill>
+                  <a:schemeClr val="tx1">
+                    <a:lumMod val="85000"/>
+                    <a:lumOff val="15000"/>
+                  </a:schemeClr>
+                </a:solidFill>
+                <a:latin typeface="Roboto" pitchFamily="2" charset="0"/>
+                <a:ea typeface="Roboto" pitchFamily="2" charset="0"/>
+              </a:rPr>
+              <a:t>Padrão</a:t>
+            </a:r>
+            <a:endParaRPr lang="pt-BR" sz="900" dirty="0">
               <a:solidFill>
                 <a:schemeClr val="tx1">
                   <a:lumMod val="85000"/>
                   <a:lumOff val="15000"/>
                 </a:schemeClr>
               </a:solidFill>
-              <a:latin typeface="Roboto Black" pitchFamily="2" charset="0"/>
-              <a:ea typeface="Roboto Black" pitchFamily="2" charset="0"/>
+              <a:latin typeface="Roboto" pitchFamily="2" charset="0"/>
+              <a:ea typeface="Roboto" pitchFamily="2" charset="0"/>
             </a:endParaRPr>
           </a:p>
         </p:txBody>
@@ -4039,7 +4039,7 @@
             <p:nvPr/>
           </p:nvPicPr>
           <p:blipFill>
-            <a:blip r:embed="rId5" cstate="print"/>
+            <a:blip r:embed="rId4" cstate="print"/>
             <a:srcRect/>
             <a:stretch>
               <a:fillRect/>
@@ -4128,7 +4128,7 @@
             <p:nvPr/>
           </p:nvPicPr>
           <p:blipFill>
-            <a:blip r:embed="rId6" cstate="print"/>
+            <a:blip r:embed="rId5" cstate="print"/>
             <a:srcRect/>
             <a:stretch>
               <a:fillRect/>
@@ -4217,7 +4217,7 @@
             <p:nvPr/>
           </p:nvPicPr>
           <p:blipFill>
-            <a:blip r:embed="rId7" cstate="print"/>
+            <a:blip r:embed="rId6" cstate="print"/>
             <a:srcRect/>
             <a:stretch>
               <a:fillRect/>
@@ -4292,7 +4292,7 @@
           <p:nvPr/>
         </p:nvPicPr>
         <p:blipFill>
-          <a:blip r:embed="rId8" cstate="print"/>
+          <a:blip r:embed="rId7" cstate="print"/>
           <a:srcRect/>
           <a:stretch>
             <a:fillRect/>
@@ -4325,7 +4325,7 @@
           <p:nvPr/>
         </p:nvPicPr>
         <p:blipFill>
-          <a:blip r:embed="rId9" cstate="print"/>
+          <a:blip r:embed="rId8" cstate="print"/>
           <a:srcRect/>
           <a:stretch>
             <a:fillRect/>
@@ -4358,7 +4358,7 @@
           <p:nvPr/>
         </p:nvPicPr>
         <p:blipFill>
-          <a:blip r:embed="rId10" cstate="print"/>
+          <a:blip r:embed="rId9" cstate="print"/>
           <a:srcRect/>
           <a:stretch>
             <a:fillRect/>
@@ -4391,7 +4391,7 @@
         <p:spPr>
           <a:xfrm>
             <a:off x="215751" y="304051"/>
-            <a:ext cx="532518" cy="200055"/>
+            <a:ext cx="548548" cy="200055"/>
           </a:xfrm>
           <a:prstGeom prst="rect">
             <a:avLst/>
@@ -4414,8 +4414,8 @@
                     <a:lumOff val="40000"/>
                   </a:schemeClr>
                 </a:solidFill>
-                <a:latin typeface="Roboto Light" pitchFamily="2" charset="0"/>
-                <a:ea typeface="Roboto Light" pitchFamily="2" charset="0"/>
+                <a:latin typeface="Roboto" pitchFamily="2" charset="0"/>
+                <a:ea typeface="Roboto" pitchFamily="2" charset="0"/>
               </a:rPr>
               <a:t>#</a:t>
             </a:r>
@@ -4427,8 +4427,8 @@
                     <a:lumOff val="40000"/>
                   </a:schemeClr>
                 </a:solidFill>
-                <a:latin typeface="Roboto Light" pitchFamily="2" charset="0"/>
-                <a:ea typeface="Roboto Light" pitchFamily="2" charset="0"/>
+                <a:latin typeface="Roboto" pitchFamily="2" charset="0"/>
+                <a:ea typeface="Roboto" pitchFamily="2" charset="0"/>
               </a:rPr>
               <a:t>DataViz</a:t>
             </a:r>
@@ -4439,8 +4439,8 @@
                   <a:lumOff val="40000"/>
                 </a:schemeClr>
               </a:solidFill>
-              <a:latin typeface="Roboto Light" pitchFamily="2" charset="0"/>
-              <a:ea typeface="Roboto Light" pitchFamily="2" charset="0"/>
+              <a:latin typeface="Roboto" pitchFamily="2" charset="0"/>
+              <a:ea typeface="Roboto" pitchFamily="2" charset="0"/>
             </a:endParaRPr>
           </a:p>
         </p:txBody>
@@ -4494,6 +4494,363 @@
           </a:p>
         </p:txBody>
       </p:sp>
+      <p:pic>
+        <p:nvPicPr>
+          <p:cNvPr id="1026" name="Picture 2" descr="C:\Users\Ricardo\Documents\R-Projetos\Exploratory-Data-Analysis-Bancarization\img\agencias_distancias.png"/>
+          <p:cNvPicPr>
+            <a:picLocks noChangeAspect="1" noChangeArrowheads="1"/>
+          </p:cNvPicPr>
+          <p:nvPr/>
+        </p:nvPicPr>
+        <p:blipFill>
+          <a:blip r:embed="rId10" cstate="print"/>
+          <a:srcRect l="3630" t="3571" r="3631" b="4762"/>
+          <a:stretch>
+            <a:fillRect/>
+          </a:stretch>
+        </p:blipFill>
+        <p:spPr bwMode="auto">
+          <a:xfrm>
+            <a:off x="215751" y="1296194"/>
+            <a:ext cx="3744416" cy="5653334"/>
+          </a:xfrm>
+          <a:prstGeom prst="rect">
+            <a:avLst/>
+          </a:prstGeom>
+          <a:noFill/>
+        </p:spPr>
+      </p:pic>
+      <p:grpSp>
+        <p:nvGrpSpPr>
+          <p:cNvPr id="54" name="Grupo 53"/>
+          <p:cNvGrpSpPr/>
+          <p:nvPr/>
+        </p:nvGrpSpPr>
+        <p:grpSpPr>
+          <a:xfrm>
+            <a:off x="2592015" y="4608562"/>
+            <a:ext cx="1080120" cy="720080"/>
+            <a:chOff x="2664023" y="4608562"/>
+            <a:chExt cx="1080120" cy="720080"/>
+          </a:xfrm>
+        </p:grpSpPr>
+        <p:sp>
+          <p:nvSpPr>
+            <p:cNvPr id="39" name="Triângulo isósceles 38"/>
+            <p:cNvSpPr/>
+            <p:nvPr/>
+          </p:nvSpPr>
+          <p:spPr>
+            <a:xfrm>
+              <a:off x="2808039" y="4742646"/>
+              <a:ext cx="95050" cy="81940"/>
+            </a:xfrm>
+            <a:prstGeom prst="triangle">
+              <a:avLst/>
+            </a:prstGeom>
+            <a:solidFill>
+              <a:srgbClr val="FF0000"/>
+            </a:solidFill>
+            <a:ln>
+              <a:noFill/>
+            </a:ln>
+          </p:spPr>
+          <p:style>
+            <a:lnRef idx="2">
+              <a:schemeClr val="accent1">
+                <a:shade val="50000"/>
+              </a:schemeClr>
+            </a:lnRef>
+            <a:fillRef idx="1">
+              <a:schemeClr val="accent1"/>
+            </a:fillRef>
+            <a:effectRef idx="0">
+              <a:schemeClr val="accent1"/>
+            </a:effectRef>
+            <a:fontRef idx="minor">
+              <a:schemeClr val="lt1"/>
+            </a:fontRef>
+          </p:style>
+          <p:txBody>
+            <a:bodyPr rtlCol="0" anchor="ctr"/>
+            <a:lstStyle/>
+            <a:p>
+              <a:pPr algn="ctr"/>
+              <a:endParaRPr lang="pt-BR"/>
+            </a:p>
+          </p:txBody>
+        </p:sp>
+        <p:sp>
+          <p:nvSpPr>
+            <p:cNvPr id="40" name="Retângulo 39"/>
+            <p:cNvSpPr/>
+            <p:nvPr/>
+          </p:nvSpPr>
+          <p:spPr>
+            <a:xfrm>
+              <a:off x="2979444" y="4680570"/>
+              <a:ext cx="510076" cy="184666"/>
+            </a:xfrm>
+            <a:prstGeom prst="rect">
+              <a:avLst/>
+            </a:prstGeom>
+          </p:spPr>
+          <p:txBody>
+            <a:bodyPr wrap="none">
+              <a:spAutoFit/>
+            </a:bodyPr>
+            <a:lstStyle/>
+            <a:p>
+              <a:r>
+                <a:rPr lang="pt-BR" sz="600" dirty="0" smtClean="0">
+                  <a:solidFill>
+                    <a:schemeClr val="tx1">
+                      <a:lumMod val="85000"/>
+                      <a:lumOff val="15000"/>
+                    </a:schemeClr>
+                  </a:solidFill>
+                  <a:latin typeface="Roboto Light" pitchFamily="2" charset="0"/>
+                  <a:ea typeface="Roboto Light" pitchFamily="2" charset="0"/>
+                </a:rPr>
+                <a:t>Centroide</a:t>
+              </a:r>
+              <a:endParaRPr lang="pt-BR" sz="600" dirty="0">
+                <a:solidFill>
+                  <a:schemeClr val="tx1">
+                    <a:lumMod val="85000"/>
+                    <a:lumOff val="15000"/>
+                  </a:schemeClr>
+                </a:solidFill>
+                <a:latin typeface="Roboto Light" pitchFamily="2" charset="0"/>
+                <a:ea typeface="Roboto Light" pitchFamily="2" charset="0"/>
+              </a:endParaRPr>
+            </a:p>
+          </p:txBody>
+        </p:sp>
+        <p:sp>
+          <p:nvSpPr>
+            <p:cNvPr id="41" name="Elipse 40"/>
+            <p:cNvSpPr/>
+            <p:nvPr/>
+          </p:nvSpPr>
+          <p:spPr>
+            <a:xfrm>
+              <a:off x="2808039" y="4968602"/>
+              <a:ext cx="72008" cy="72008"/>
+            </a:xfrm>
+            <a:prstGeom prst="ellipse">
+              <a:avLst/>
+            </a:prstGeom>
+            <a:solidFill>
+              <a:srgbClr val="0070C0"/>
+            </a:solidFill>
+            <a:ln>
+              <a:noFill/>
+            </a:ln>
+          </p:spPr>
+          <p:style>
+            <a:lnRef idx="2">
+              <a:schemeClr val="accent1">
+                <a:shade val="50000"/>
+              </a:schemeClr>
+            </a:lnRef>
+            <a:fillRef idx="1">
+              <a:schemeClr val="accent1"/>
+            </a:fillRef>
+            <a:effectRef idx="0">
+              <a:schemeClr val="accent1"/>
+            </a:effectRef>
+            <a:fontRef idx="minor">
+              <a:schemeClr val="lt1"/>
+            </a:fontRef>
+          </p:style>
+          <p:txBody>
+            <a:bodyPr rtlCol="0" anchor="ctr"/>
+            <a:lstStyle/>
+            <a:p>
+              <a:pPr algn="ctr"/>
+              <a:endParaRPr lang="pt-BR"/>
+            </a:p>
+          </p:txBody>
+        </p:sp>
+        <p:sp>
+          <p:nvSpPr>
+            <p:cNvPr id="42" name="Retângulo 41"/>
+            <p:cNvSpPr/>
+            <p:nvPr/>
+          </p:nvSpPr>
+          <p:spPr>
+            <a:xfrm>
+              <a:off x="2979444" y="4896594"/>
+              <a:ext cx="495649" cy="184666"/>
+            </a:xfrm>
+            <a:prstGeom prst="rect">
+              <a:avLst/>
+            </a:prstGeom>
+          </p:spPr>
+          <p:txBody>
+            <a:bodyPr wrap="none">
+              <a:spAutoFit/>
+            </a:bodyPr>
+            <a:lstStyle/>
+            <a:p>
+              <a:r>
+                <a:rPr lang="pt-BR" sz="600" dirty="0" smtClean="0">
+                  <a:solidFill>
+                    <a:schemeClr val="tx1">
+                      <a:lumMod val="85000"/>
+                      <a:lumOff val="15000"/>
+                    </a:schemeClr>
+                  </a:solidFill>
+                  <a:latin typeface="Roboto Light" pitchFamily="2" charset="0"/>
+                  <a:ea typeface="Roboto Light" pitchFamily="2" charset="0"/>
+                </a:rPr>
+                <a:t>Agências</a:t>
+              </a:r>
+              <a:endParaRPr lang="pt-BR" sz="600" dirty="0">
+                <a:solidFill>
+                  <a:schemeClr val="tx1">
+                    <a:lumMod val="85000"/>
+                    <a:lumOff val="15000"/>
+                  </a:schemeClr>
+                </a:solidFill>
+                <a:latin typeface="Roboto Light" pitchFamily="2" charset="0"/>
+                <a:ea typeface="Roboto Light" pitchFamily="2" charset="0"/>
+              </a:endParaRPr>
+            </a:p>
+          </p:txBody>
+        </p:sp>
+        <p:cxnSp>
+          <p:nvCxnSpPr>
+            <p:cNvPr id="44" name="Conector reto 43"/>
+            <p:cNvCxnSpPr/>
+            <p:nvPr/>
+          </p:nvCxnSpPr>
+          <p:spPr>
+            <a:xfrm>
+              <a:off x="2777074" y="5184626"/>
+              <a:ext cx="144016" cy="0"/>
+            </a:xfrm>
+            <a:prstGeom prst="line">
+              <a:avLst/>
+            </a:prstGeom>
+            <a:ln w="19050">
+              <a:solidFill>
+                <a:srgbClr val="00B050"/>
+              </a:solidFill>
+            </a:ln>
+          </p:spPr>
+          <p:style>
+            <a:lnRef idx="1">
+              <a:schemeClr val="accent1"/>
+            </a:lnRef>
+            <a:fillRef idx="0">
+              <a:schemeClr val="accent1"/>
+            </a:fillRef>
+            <a:effectRef idx="0">
+              <a:schemeClr val="accent1"/>
+            </a:effectRef>
+            <a:fontRef idx="minor">
+              <a:schemeClr val="tx1"/>
+            </a:fontRef>
+          </p:style>
+        </p:cxnSp>
+        <p:sp>
+          <p:nvSpPr>
+            <p:cNvPr id="52" name="Retângulo 51"/>
+            <p:cNvSpPr/>
+            <p:nvPr/>
+          </p:nvSpPr>
+          <p:spPr>
+            <a:xfrm>
+              <a:off x="2972524" y="5071968"/>
+              <a:ext cx="734496" cy="184666"/>
+            </a:xfrm>
+            <a:prstGeom prst="rect">
+              <a:avLst/>
+            </a:prstGeom>
+          </p:spPr>
+          <p:txBody>
+            <a:bodyPr wrap="none">
+              <a:spAutoFit/>
+            </a:bodyPr>
+            <a:lstStyle/>
+            <a:p>
+              <a:r>
+                <a:rPr lang="pt-BR" sz="600" dirty="0" smtClean="0">
+                  <a:solidFill>
+                    <a:schemeClr val="tx1">
+                      <a:lumMod val="85000"/>
+                      <a:lumOff val="15000"/>
+                    </a:schemeClr>
+                  </a:solidFill>
+                  <a:latin typeface="Roboto Light" pitchFamily="2" charset="0"/>
+                  <a:ea typeface="Roboto Light" pitchFamily="2" charset="0"/>
+                </a:rPr>
+                <a:t>Menor Distância</a:t>
+              </a:r>
+              <a:endParaRPr lang="pt-BR" sz="600" dirty="0">
+                <a:solidFill>
+                  <a:schemeClr val="tx1">
+                    <a:lumMod val="85000"/>
+                    <a:lumOff val="15000"/>
+                  </a:schemeClr>
+                </a:solidFill>
+                <a:latin typeface="Roboto Light" pitchFamily="2" charset="0"/>
+                <a:ea typeface="Roboto Light" pitchFamily="2" charset="0"/>
+              </a:endParaRPr>
+            </a:p>
+          </p:txBody>
+        </p:sp>
+        <p:sp>
+          <p:nvSpPr>
+            <p:cNvPr id="53" name="Retângulo 52"/>
+            <p:cNvSpPr/>
+            <p:nvPr/>
+          </p:nvSpPr>
+          <p:spPr>
+            <a:xfrm>
+              <a:off x="2664023" y="4608562"/>
+              <a:ext cx="1080120" cy="720080"/>
+            </a:xfrm>
+            <a:prstGeom prst="rect">
+              <a:avLst/>
+            </a:prstGeom>
+            <a:noFill/>
+            <a:ln w="3175">
+              <a:solidFill>
+                <a:schemeClr val="bg1">
+                  <a:lumMod val="95000"/>
+                </a:schemeClr>
+              </a:solidFill>
+            </a:ln>
+          </p:spPr>
+          <p:style>
+            <a:lnRef idx="2">
+              <a:schemeClr val="accent1">
+                <a:shade val="50000"/>
+              </a:schemeClr>
+            </a:lnRef>
+            <a:fillRef idx="1">
+              <a:schemeClr val="accent1"/>
+            </a:fillRef>
+            <a:effectRef idx="0">
+              <a:schemeClr val="accent1"/>
+            </a:effectRef>
+            <a:fontRef idx="minor">
+              <a:schemeClr val="lt1"/>
+            </a:fontRef>
+          </p:style>
+          <p:txBody>
+            <a:bodyPr rtlCol="0" anchor="ctr"/>
+            <a:lstStyle/>
+            <a:p>
+              <a:pPr algn="ctr"/>
+              <a:endParaRPr lang="pt-BR"/>
+            </a:p>
+          </p:txBody>
+        </p:sp>
+      </p:grpSp>
     </p:spTree>
   </p:cSld>
   <p:clrMapOvr>
